--- a/Deliverable 2/Presentation/D-D2.pptx
+++ b/Deliverable 2/Presentation/D-D2.pptx
@@ -284,7 +284,7 @@
       </p15:sldGuideLst>
     </p:ext>
     <p:ext uri="http://customooxmlschemas.google.com/">
-      <go:slidesCustomData xmlns="" xmlns:mc="http://schemas.openxmlformats.org/markup-compatibility/2006" xmlns:mv="urn:schemas-microsoft-com:mac:vml" xmlns:c="http://schemas.openxmlformats.org/drawingml/2006/chart" xmlns:dgm="http://schemas.openxmlformats.org/drawingml/2006/diagram" xmlns:o="urn:schemas-microsoft-com:office:office" xmlns:v="urn:schemas-microsoft-com:vml" xmlns:pvml="urn:schemas-microsoft-com:office:powerpoint" xmlns:com="http://schemas.openxmlformats.org/drawingml/2006/compatibility" xmlns:p14="http://schemas.microsoft.com/office/powerpoint/2010/main" xmlns:p15="http://schemas.microsoft.com/office/powerpoint/2012/main" xmlns:ahyp="http://schemas.microsoft.com/office/drawing/2018/hyperlinkcolor" xmlns:go="http://customooxmlschemas.google.com/" r:id="rId26" roundtripDataSignature="AMtx7miz0JBwe41R2D/3k73OWmbgNwOuwg=="/>
+      <go:slidesCustomData xmlns:go="http://customooxmlschemas.google.com/" xmlns:ahyp="http://schemas.microsoft.com/office/drawing/2018/hyperlinkcolor" xmlns:p15="http://schemas.microsoft.com/office/powerpoint/2012/main" xmlns:p14="http://schemas.microsoft.com/office/powerpoint/2010/main" xmlns:com="http://schemas.openxmlformats.org/drawingml/2006/compatibility" xmlns:pvml="urn:schemas-microsoft-com:office:powerpoint" xmlns:v="urn:schemas-microsoft-com:vml" xmlns:o="urn:schemas-microsoft-com:office:office" xmlns:dgm="http://schemas.openxmlformats.org/drawingml/2006/diagram" xmlns:c="http://schemas.openxmlformats.org/drawingml/2006/chart" xmlns:mv="urn:schemas-microsoft-com:mac:vml" xmlns:mc="http://schemas.openxmlformats.org/markup-compatibility/2006" xmlns="" r:id="rId26" roundtripDataSignature="AMtx7miz0JBwe41R2D/3k73OWmbgNwOuwg=="/>
     </p:ext>
   </p:extLst>
 </p:presentation>
@@ -21590,11 +21590,17 @@
             <p:ph type="title"/>
           </p:nvPr>
         </p:nvSpPr>
-        <p:spPr/>
+        <p:spPr>
+          <a:xfrm>
+            <a:off x="566498" y="283404"/>
+            <a:ext cx="8596668" cy="686414"/>
+          </a:xfrm>
+        </p:spPr>
         <p:txBody>
           <a:bodyPr/>
           <a:lstStyle/>
           <a:p>
+            <a:pPr algn="ctr"/>
             <a:r>
               <a:rPr lang="en-CA" dirty="0"/>
               <a:t>Tools</a:t>
@@ -21678,7 +21684,7 @@
         </p:blipFill>
         <p:spPr bwMode="auto">
           <a:xfrm>
-            <a:off x="677334" y="1935816"/>
+            <a:off x="1085008" y="4007617"/>
             <a:ext cx="1395637" cy="1395637"/>
           </a:xfrm>
           <a:prstGeom prst="rect">
@@ -21725,7 +21731,7 @@
         </p:blipFill>
         <p:spPr bwMode="auto">
           <a:xfrm>
-            <a:off x="2828671" y="1930400"/>
+            <a:off x="2647192" y="1252646"/>
             <a:ext cx="1280078" cy="1280078"/>
           </a:xfrm>
           <a:prstGeom prst="rect">
@@ -21772,7 +21778,7 @@
         </p:blipFill>
         <p:spPr bwMode="auto">
           <a:xfrm>
-            <a:off x="4617940" y="1968911"/>
+            <a:off x="4668764" y="4259013"/>
             <a:ext cx="1203054" cy="1203054"/>
           </a:xfrm>
           <a:prstGeom prst="rect">
@@ -21819,7 +21825,7 @@
         </p:blipFill>
         <p:spPr bwMode="auto">
           <a:xfrm>
-            <a:off x="8008489" y="1930399"/>
+            <a:off x="6746523" y="5205263"/>
             <a:ext cx="1280079" cy="1280079"/>
           </a:xfrm>
           <a:prstGeom prst="rect">
@@ -21866,7 +21872,7 @@
         </p:blipFill>
         <p:spPr bwMode="auto">
           <a:xfrm>
-            <a:off x="6355837" y="1930400"/>
+            <a:off x="2728326" y="5242167"/>
             <a:ext cx="1117809" cy="1206269"/>
           </a:xfrm>
           <a:prstGeom prst="rect">
@@ -21913,8 +21919,8 @@
         </p:blipFill>
         <p:spPr bwMode="auto">
           <a:xfrm>
-            <a:off x="1548593" y="3378424"/>
-            <a:ext cx="1280078" cy="1077294"/>
+            <a:off x="151018" y="1183851"/>
+            <a:ext cx="1684522" cy="1417668"/>
           </a:xfrm>
           <a:prstGeom prst="rect">
             <a:avLst/>
@@ -21958,8 +21964,8 @@
         </p:blipFill>
         <p:spPr bwMode="auto">
           <a:xfrm>
-            <a:off x="3687664" y="3395575"/>
-            <a:ext cx="961193" cy="1068822"/>
+            <a:off x="7741390" y="1012697"/>
+            <a:ext cx="1421776" cy="1681218"/>
           </a:xfrm>
           <a:prstGeom prst="rect">
             <a:avLst/>
@@ -22005,7 +22011,7 @@
         </p:blipFill>
         <p:spPr bwMode="auto">
           <a:xfrm>
-            <a:off x="7364737" y="3444080"/>
+            <a:off x="8572958" y="4275850"/>
             <a:ext cx="945981" cy="945981"/>
           </a:xfrm>
           <a:prstGeom prst="rect">
@@ -22045,14 +22051,473 @@
         </p:blipFill>
         <p:spPr>
           <a:xfrm>
-            <a:off x="5529346" y="3462864"/>
-            <a:ext cx="826491" cy="838200"/>
+            <a:off x="5688172" y="1329581"/>
+            <a:ext cx="1250800" cy="1280073"/>
           </a:xfrm>
           <a:prstGeom prst="rect">
             <a:avLst/>
           </a:prstGeom>
         </p:spPr>
       </p:pic>
+      <p:sp>
+        <p:nvSpPr>
+          <p:cNvPr id="21" name="Title 1">
+            <a:extLst>
+              <a:ext uri="{FF2B5EF4-FFF2-40B4-BE49-F238E27FC236}">
+                <a16:creationId xmlns:a16="http://schemas.microsoft.com/office/drawing/2014/main" id="{6173EDF8-F15D-4F1E-A36D-A24DAB0B585E}"/>
+              </a:ext>
+            </a:extLst>
+          </p:cNvPr>
+          <p:cNvSpPr txBox="1">
+            <a:spLocks/>
+          </p:cNvSpPr>
+          <p:nvPr/>
+        </p:nvSpPr>
+        <p:spPr>
+          <a:xfrm>
+            <a:off x="761401" y="3237382"/>
+            <a:ext cx="8596668" cy="686414"/>
+          </a:xfrm>
+          <a:prstGeom prst="rect">
+            <a:avLst/>
+          </a:prstGeom>
+          <a:noFill/>
+          <a:ln>
+            <a:noFill/>
+          </a:ln>
+        </p:spPr>
+        <p:txBody>
+          <a:bodyPr spcFirstLastPara="1" wrap="square" lIns="91425" tIns="45700" rIns="91425" bIns="45700" anchor="t" anchorCtr="0">
+            <a:noAutofit/>
+          </a:bodyPr>
+          <a:lstStyle>
+            <a:defPPr marR="0" lvl="0" algn="l" rtl="0">
+              <a:lnSpc>
+                <a:spcPct val="100000"/>
+              </a:lnSpc>
+              <a:spcBef>
+                <a:spcPts val="0"/>
+              </a:spcBef>
+              <a:spcAft>
+                <a:spcPts val="0"/>
+              </a:spcAft>
+            </a:defPPr>
+            <a:lvl1pPr marR="0" lvl="0" algn="l" rtl="0">
+              <a:lnSpc>
+                <a:spcPct val="100000"/>
+              </a:lnSpc>
+              <a:spcBef>
+                <a:spcPts val="0"/>
+              </a:spcBef>
+              <a:spcAft>
+                <a:spcPts val="0"/>
+              </a:spcAft>
+              <a:buClr>
+                <a:schemeClr val="accent1"/>
+              </a:buClr>
+              <a:buSzPts val="3600"/>
+              <a:buFont typeface="Trebuchet MS"/>
+              <a:buNone/>
+              <a:defRPr sz="3600" b="0" i="0" u="none" strike="noStrike" cap="none">
+                <a:solidFill>
+                  <a:schemeClr val="accent1"/>
+                </a:solidFill>
+                <a:latin typeface="Trebuchet MS"/>
+                <a:ea typeface="Trebuchet MS"/>
+                <a:cs typeface="Trebuchet MS"/>
+                <a:sym typeface="Trebuchet MS"/>
+              </a:defRPr>
+            </a:lvl1pPr>
+            <a:lvl2pPr marR="0" lvl="1" algn="l" rtl="0">
+              <a:lnSpc>
+                <a:spcPct val="100000"/>
+              </a:lnSpc>
+              <a:spcBef>
+                <a:spcPts val="0"/>
+              </a:spcBef>
+              <a:spcAft>
+                <a:spcPts val="0"/>
+              </a:spcAft>
+              <a:buClr>
+                <a:srgbClr val="000000"/>
+              </a:buClr>
+              <a:buSzPts val="1400"/>
+              <a:buFont typeface="Arial"/>
+              <a:buNone/>
+              <a:defRPr sz="1800" b="0" i="0" u="none" strike="noStrike" cap="none">
+                <a:solidFill>
+                  <a:schemeClr val="dk2"/>
+                </a:solidFill>
+                <a:latin typeface="Arial"/>
+                <a:ea typeface="Arial"/>
+                <a:cs typeface="Arial"/>
+                <a:sym typeface="Arial"/>
+              </a:defRPr>
+            </a:lvl2pPr>
+            <a:lvl3pPr marR="0" lvl="2" algn="l" rtl="0">
+              <a:lnSpc>
+                <a:spcPct val="100000"/>
+              </a:lnSpc>
+              <a:spcBef>
+                <a:spcPts val="0"/>
+              </a:spcBef>
+              <a:spcAft>
+                <a:spcPts val="0"/>
+              </a:spcAft>
+              <a:buClr>
+                <a:srgbClr val="000000"/>
+              </a:buClr>
+              <a:buSzPts val="1400"/>
+              <a:buFont typeface="Arial"/>
+              <a:buNone/>
+              <a:defRPr sz="1800" b="0" i="0" u="none" strike="noStrike" cap="none">
+                <a:solidFill>
+                  <a:schemeClr val="dk2"/>
+                </a:solidFill>
+                <a:latin typeface="Arial"/>
+                <a:ea typeface="Arial"/>
+                <a:cs typeface="Arial"/>
+                <a:sym typeface="Arial"/>
+              </a:defRPr>
+            </a:lvl3pPr>
+            <a:lvl4pPr marR="0" lvl="3" algn="l" rtl="0">
+              <a:lnSpc>
+                <a:spcPct val="100000"/>
+              </a:lnSpc>
+              <a:spcBef>
+                <a:spcPts val="0"/>
+              </a:spcBef>
+              <a:spcAft>
+                <a:spcPts val="0"/>
+              </a:spcAft>
+              <a:buClr>
+                <a:srgbClr val="000000"/>
+              </a:buClr>
+              <a:buSzPts val="1400"/>
+              <a:buFont typeface="Arial"/>
+              <a:buNone/>
+              <a:defRPr sz="1800" b="0" i="0" u="none" strike="noStrike" cap="none">
+                <a:solidFill>
+                  <a:schemeClr val="dk2"/>
+                </a:solidFill>
+                <a:latin typeface="Arial"/>
+                <a:ea typeface="Arial"/>
+                <a:cs typeface="Arial"/>
+                <a:sym typeface="Arial"/>
+              </a:defRPr>
+            </a:lvl4pPr>
+            <a:lvl5pPr marR="0" lvl="4" algn="l" rtl="0">
+              <a:lnSpc>
+                <a:spcPct val="100000"/>
+              </a:lnSpc>
+              <a:spcBef>
+                <a:spcPts val="0"/>
+              </a:spcBef>
+              <a:spcAft>
+                <a:spcPts val="0"/>
+              </a:spcAft>
+              <a:buClr>
+                <a:srgbClr val="000000"/>
+              </a:buClr>
+              <a:buSzPts val="1400"/>
+              <a:buFont typeface="Arial"/>
+              <a:buNone/>
+              <a:defRPr sz="1800" b="0" i="0" u="none" strike="noStrike" cap="none">
+                <a:solidFill>
+                  <a:schemeClr val="dk2"/>
+                </a:solidFill>
+                <a:latin typeface="Arial"/>
+                <a:ea typeface="Arial"/>
+                <a:cs typeface="Arial"/>
+                <a:sym typeface="Arial"/>
+              </a:defRPr>
+            </a:lvl5pPr>
+            <a:lvl6pPr marR="0" lvl="5" algn="l" rtl="0">
+              <a:lnSpc>
+                <a:spcPct val="100000"/>
+              </a:lnSpc>
+              <a:spcBef>
+                <a:spcPts val="0"/>
+              </a:spcBef>
+              <a:spcAft>
+                <a:spcPts val="0"/>
+              </a:spcAft>
+              <a:buClr>
+                <a:srgbClr val="000000"/>
+              </a:buClr>
+              <a:buSzPts val="1400"/>
+              <a:buFont typeface="Arial"/>
+              <a:buNone/>
+              <a:defRPr sz="1800" b="0" i="0" u="none" strike="noStrike" cap="none">
+                <a:solidFill>
+                  <a:schemeClr val="dk2"/>
+                </a:solidFill>
+                <a:latin typeface="Arial"/>
+                <a:ea typeface="Arial"/>
+                <a:cs typeface="Arial"/>
+                <a:sym typeface="Arial"/>
+              </a:defRPr>
+            </a:lvl6pPr>
+            <a:lvl7pPr marR="0" lvl="6" algn="l" rtl="0">
+              <a:lnSpc>
+                <a:spcPct val="100000"/>
+              </a:lnSpc>
+              <a:spcBef>
+                <a:spcPts val="0"/>
+              </a:spcBef>
+              <a:spcAft>
+                <a:spcPts val="0"/>
+              </a:spcAft>
+              <a:buClr>
+                <a:srgbClr val="000000"/>
+              </a:buClr>
+              <a:buSzPts val="1400"/>
+              <a:buFont typeface="Arial"/>
+              <a:buNone/>
+              <a:defRPr sz="1800" b="0" i="0" u="none" strike="noStrike" cap="none">
+                <a:solidFill>
+                  <a:schemeClr val="dk2"/>
+                </a:solidFill>
+                <a:latin typeface="Arial"/>
+                <a:ea typeface="Arial"/>
+                <a:cs typeface="Arial"/>
+                <a:sym typeface="Arial"/>
+              </a:defRPr>
+            </a:lvl7pPr>
+            <a:lvl8pPr marR="0" lvl="7" algn="l" rtl="0">
+              <a:lnSpc>
+                <a:spcPct val="100000"/>
+              </a:lnSpc>
+              <a:spcBef>
+                <a:spcPts val="0"/>
+              </a:spcBef>
+              <a:spcAft>
+                <a:spcPts val="0"/>
+              </a:spcAft>
+              <a:buClr>
+                <a:srgbClr val="000000"/>
+              </a:buClr>
+              <a:buSzPts val="1400"/>
+              <a:buFont typeface="Arial"/>
+              <a:buNone/>
+              <a:defRPr sz="1800" b="0" i="0" u="none" strike="noStrike" cap="none">
+                <a:solidFill>
+                  <a:schemeClr val="dk2"/>
+                </a:solidFill>
+                <a:latin typeface="Arial"/>
+                <a:ea typeface="Arial"/>
+                <a:cs typeface="Arial"/>
+                <a:sym typeface="Arial"/>
+              </a:defRPr>
+            </a:lvl8pPr>
+            <a:lvl9pPr marR="0" lvl="8" algn="l" rtl="0">
+              <a:lnSpc>
+                <a:spcPct val="100000"/>
+              </a:lnSpc>
+              <a:spcBef>
+                <a:spcPts val="0"/>
+              </a:spcBef>
+              <a:spcAft>
+                <a:spcPts val="0"/>
+              </a:spcAft>
+              <a:buClr>
+                <a:srgbClr val="000000"/>
+              </a:buClr>
+              <a:buSzPts val="1400"/>
+              <a:buFont typeface="Arial"/>
+              <a:buNone/>
+              <a:defRPr sz="1800" b="0" i="0" u="none" strike="noStrike" cap="none">
+                <a:solidFill>
+                  <a:schemeClr val="dk2"/>
+                </a:solidFill>
+                <a:latin typeface="Arial"/>
+                <a:ea typeface="Arial"/>
+                <a:cs typeface="Arial"/>
+                <a:sym typeface="Arial"/>
+              </a:defRPr>
+            </a:lvl9pPr>
+          </a:lstStyle>
+          <a:p>
+            <a:pPr algn="ctr"/>
+            <a:r>
+              <a:rPr lang="en-CA" dirty="0"/>
+              <a:t>Technology</a:t>
+            </a:r>
+          </a:p>
+        </p:txBody>
+      </p:sp>
+      <p:cxnSp>
+        <p:nvCxnSpPr>
+          <p:cNvPr id="11" name="Straight Connector 10">
+            <a:extLst>
+              <a:ext uri="{FF2B5EF4-FFF2-40B4-BE49-F238E27FC236}">
+                <a16:creationId xmlns:a16="http://schemas.microsoft.com/office/drawing/2014/main" id="{3D5C6097-0BFC-4C23-9F9E-4CA3755FA32E}"/>
+              </a:ext>
+            </a:extLst>
+          </p:cNvPr>
+          <p:cNvCxnSpPr/>
+          <p:nvPr/>
+        </p:nvCxnSpPr>
+        <p:spPr>
+          <a:xfrm>
+            <a:off x="703651" y="3237382"/>
+            <a:ext cx="8815287" cy="0"/>
+          </a:xfrm>
+          <a:prstGeom prst="line">
+            <a:avLst/>
+          </a:prstGeom>
+          <a:ln>
+            <a:solidFill>
+              <a:schemeClr val="bg1">
+                <a:lumMod val="85000"/>
+              </a:schemeClr>
+            </a:solidFill>
+          </a:ln>
+        </p:spPr>
+        <p:style>
+          <a:lnRef idx="3">
+            <a:schemeClr val="accent4"/>
+          </a:lnRef>
+          <a:fillRef idx="0">
+            <a:schemeClr val="accent4"/>
+          </a:fillRef>
+          <a:effectRef idx="2">
+            <a:schemeClr val="accent4"/>
+          </a:effectRef>
+          <a:fontRef idx="minor">
+            <a:schemeClr val="tx1"/>
+          </a:fontRef>
+        </p:style>
+      </p:cxnSp>
+      <p:cxnSp>
+        <p:nvCxnSpPr>
+          <p:cNvPr id="23" name="Straight Connector 22">
+            <a:extLst>
+              <a:ext uri="{FF2B5EF4-FFF2-40B4-BE49-F238E27FC236}">
+                <a16:creationId xmlns:a16="http://schemas.microsoft.com/office/drawing/2014/main" id="{CDF67C68-CD0D-46A0-BF1D-195163089C9D}"/>
+              </a:ext>
+            </a:extLst>
+          </p:cNvPr>
+          <p:cNvCxnSpPr/>
+          <p:nvPr/>
+        </p:nvCxnSpPr>
+        <p:spPr>
+          <a:xfrm>
+            <a:off x="652091" y="1012697"/>
+            <a:ext cx="8815287" cy="0"/>
+          </a:xfrm>
+          <a:prstGeom prst="line">
+            <a:avLst/>
+          </a:prstGeom>
+          <a:ln>
+            <a:solidFill>
+              <a:schemeClr val="bg1">
+                <a:lumMod val="85000"/>
+              </a:schemeClr>
+            </a:solidFill>
+          </a:ln>
+        </p:spPr>
+        <p:style>
+          <a:lnRef idx="3">
+            <a:schemeClr val="accent4"/>
+          </a:lnRef>
+          <a:fillRef idx="0">
+            <a:schemeClr val="accent4"/>
+          </a:fillRef>
+          <a:effectRef idx="2">
+            <a:schemeClr val="accent4"/>
+          </a:effectRef>
+          <a:fontRef idx="minor">
+            <a:schemeClr val="tx1"/>
+          </a:fontRef>
+        </p:style>
+      </p:cxnSp>
+      <p:cxnSp>
+        <p:nvCxnSpPr>
+          <p:cNvPr id="24" name="Straight Connector 23">
+            <a:extLst>
+              <a:ext uri="{FF2B5EF4-FFF2-40B4-BE49-F238E27FC236}">
+                <a16:creationId xmlns:a16="http://schemas.microsoft.com/office/drawing/2014/main" id="{41E2A781-99CD-48FB-8F3D-B8F848825DCB}"/>
+              </a:ext>
+            </a:extLst>
+          </p:cNvPr>
+          <p:cNvCxnSpPr/>
+          <p:nvPr/>
+        </p:nvCxnSpPr>
+        <p:spPr>
+          <a:xfrm>
+            <a:off x="703652" y="3876955"/>
+            <a:ext cx="8815287" cy="0"/>
+          </a:xfrm>
+          <a:prstGeom prst="line">
+            <a:avLst/>
+          </a:prstGeom>
+          <a:ln>
+            <a:solidFill>
+              <a:schemeClr val="bg1">
+                <a:lumMod val="85000"/>
+              </a:schemeClr>
+            </a:solidFill>
+          </a:ln>
+        </p:spPr>
+        <p:style>
+          <a:lnRef idx="3">
+            <a:schemeClr val="accent4"/>
+          </a:lnRef>
+          <a:fillRef idx="0">
+            <a:schemeClr val="accent4"/>
+          </a:fillRef>
+          <a:effectRef idx="2">
+            <a:schemeClr val="accent4"/>
+          </a:effectRef>
+          <a:fontRef idx="minor">
+            <a:schemeClr val="tx1"/>
+          </a:fontRef>
+        </p:style>
+      </p:cxnSp>
+      <p:cxnSp>
+        <p:nvCxnSpPr>
+          <p:cNvPr id="25" name="Straight Connector 24">
+            <a:extLst>
+              <a:ext uri="{FF2B5EF4-FFF2-40B4-BE49-F238E27FC236}">
+                <a16:creationId xmlns:a16="http://schemas.microsoft.com/office/drawing/2014/main" id="{60AA1FEB-05ED-4732-961F-2357E8D3BC88}"/>
+              </a:ext>
+            </a:extLst>
+          </p:cNvPr>
+          <p:cNvCxnSpPr/>
+          <p:nvPr/>
+        </p:nvCxnSpPr>
+        <p:spPr>
+          <a:xfrm>
+            <a:off x="761401" y="199582"/>
+            <a:ext cx="8815287" cy="0"/>
+          </a:xfrm>
+          <a:prstGeom prst="line">
+            <a:avLst/>
+          </a:prstGeom>
+          <a:ln>
+            <a:solidFill>
+              <a:schemeClr val="bg1">
+                <a:lumMod val="85000"/>
+              </a:schemeClr>
+            </a:solidFill>
+          </a:ln>
+        </p:spPr>
+        <p:style>
+          <a:lnRef idx="3">
+            <a:schemeClr val="accent4"/>
+          </a:lnRef>
+          <a:fillRef idx="0">
+            <a:schemeClr val="accent4"/>
+          </a:fillRef>
+          <a:effectRef idx="2">
+            <a:schemeClr val="accent4"/>
+          </a:effectRef>
+          <a:fontRef idx="minor">
+            <a:schemeClr val="tx1"/>
+          </a:fontRef>
+        </p:style>
+      </p:cxnSp>
     </p:spTree>
     <p:extLst>
       <p:ext uri="{BB962C8B-B14F-4D97-AF65-F5344CB8AC3E}">
